--- a/Prac_1stTest.pptx
+++ b/Prac_1stTest.pptx
@@ -8,6 +8,7 @@
     <p:sldId id="256" r:id="rId2"/>
     <p:sldId id="257" r:id="rId3"/>
     <p:sldId id="258" r:id="rId4"/>
+    <p:sldId id="259" r:id="rId5"/>
   </p:sldIdLst>
   <p:sldSz cx="12192000" cy="6858000"/>
   <p:notesSz cx="6858000" cy="9144000"/>
@@ -106,6 +107,11 @@
       </a:defRPr>
     </a:lvl9pPr>
   </p:defaultTextStyle>
+  <p:extLst>
+    <p:ext uri="{EFAFB233-063F-42B5-8137-9DF3F51BA10A}">
+      <p15:sldGuideLst xmlns:p15="http://schemas.microsoft.com/office/powerpoint/2012/main"/>
+    </p:ext>
+  </p:extLst>
 </p:presentation>
 </file>
 
@@ -256,7 +262,7 @@
           <a:p>
             <a:fld id="{EC2A5D8F-8F2E-4902-9138-7426797CD437}" type="datetimeFigureOut">
               <a:rPr lang="ko-KR" altLang="en-US" smtClean="0"/>
-              <a:t>2024-03-26</a:t>
+              <a:t>2024-03-27</a:t>
             </a:fld>
             <a:endParaRPr lang="ko-KR" altLang="en-US"/>
           </a:p>
@@ -454,7 +460,7 @@
           <a:p>
             <a:fld id="{EC2A5D8F-8F2E-4902-9138-7426797CD437}" type="datetimeFigureOut">
               <a:rPr lang="ko-KR" altLang="en-US" smtClean="0"/>
-              <a:t>2024-03-26</a:t>
+              <a:t>2024-03-27</a:t>
             </a:fld>
             <a:endParaRPr lang="ko-KR" altLang="en-US"/>
           </a:p>
@@ -662,7 +668,7 @@
           <a:p>
             <a:fld id="{EC2A5D8F-8F2E-4902-9138-7426797CD437}" type="datetimeFigureOut">
               <a:rPr lang="ko-KR" altLang="en-US" smtClean="0"/>
-              <a:t>2024-03-26</a:t>
+              <a:t>2024-03-27</a:t>
             </a:fld>
             <a:endParaRPr lang="ko-KR" altLang="en-US"/>
           </a:p>
@@ -860,7 +866,7 @@
           <a:p>
             <a:fld id="{EC2A5D8F-8F2E-4902-9138-7426797CD437}" type="datetimeFigureOut">
               <a:rPr lang="ko-KR" altLang="en-US" smtClean="0"/>
-              <a:t>2024-03-26</a:t>
+              <a:t>2024-03-27</a:t>
             </a:fld>
             <a:endParaRPr lang="ko-KR" altLang="en-US"/>
           </a:p>
@@ -1135,7 +1141,7 @@
           <a:p>
             <a:fld id="{EC2A5D8F-8F2E-4902-9138-7426797CD437}" type="datetimeFigureOut">
               <a:rPr lang="ko-KR" altLang="en-US" smtClean="0"/>
-              <a:t>2024-03-26</a:t>
+              <a:t>2024-03-27</a:t>
             </a:fld>
             <a:endParaRPr lang="ko-KR" altLang="en-US"/>
           </a:p>
@@ -1400,7 +1406,7 @@
           <a:p>
             <a:fld id="{EC2A5D8F-8F2E-4902-9138-7426797CD437}" type="datetimeFigureOut">
               <a:rPr lang="ko-KR" altLang="en-US" smtClean="0"/>
-              <a:t>2024-03-26</a:t>
+              <a:t>2024-03-27</a:t>
             </a:fld>
             <a:endParaRPr lang="ko-KR" altLang="en-US"/>
           </a:p>
@@ -1812,7 +1818,7 @@
           <a:p>
             <a:fld id="{EC2A5D8F-8F2E-4902-9138-7426797CD437}" type="datetimeFigureOut">
               <a:rPr lang="ko-KR" altLang="en-US" smtClean="0"/>
-              <a:t>2024-03-26</a:t>
+              <a:t>2024-03-27</a:t>
             </a:fld>
             <a:endParaRPr lang="ko-KR" altLang="en-US"/>
           </a:p>
@@ -1953,7 +1959,7 @@
           <a:p>
             <a:fld id="{EC2A5D8F-8F2E-4902-9138-7426797CD437}" type="datetimeFigureOut">
               <a:rPr lang="ko-KR" altLang="en-US" smtClean="0"/>
-              <a:t>2024-03-26</a:t>
+              <a:t>2024-03-27</a:t>
             </a:fld>
             <a:endParaRPr lang="ko-KR" altLang="en-US"/>
           </a:p>
@@ -2066,7 +2072,7 @@
           <a:p>
             <a:fld id="{EC2A5D8F-8F2E-4902-9138-7426797CD437}" type="datetimeFigureOut">
               <a:rPr lang="ko-KR" altLang="en-US" smtClean="0"/>
-              <a:t>2024-03-26</a:t>
+              <a:t>2024-03-27</a:t>
             </a:fld>
             <a:endParaRPr lang="ko-KR" altLang="en-US"/>
           </a:p>
@@ -2377,7 +2383,7 @@
           <a:p>
             <a:fld id="{EC2A5D8F-8F2E-4902-9138-7426797CD437}" type="datetimeFigureOut">
               <a:rPr lang="ko-KR" altLang="en-US" smtClean="0"/>
-              <a:t>2024-03-26</a:t>
+              <a:t>2024-03-27</a:t>
             </a:fld>
             <a:endParaRPr lang="ko-KR" altLang="en-US"/>
           </a:p>
@@ -2665,7 +2671,7 @@
           <a:p>
             <a:fld id="{EC2A5D8F-8F2E-4902-9138-7426797CD437}" type="datetimeFigureOut">
               <a:rPr lang="ko-KR" altLang="en-US" smtClean="0"/>
-              <a:t>2024-03-26</a:t>
+              <a:t>2024-03-27</a:t>
             </a:fld>
             <a:endParaRPr lang="ko-KR" altLang="en-US"/>
           </a:p>
@@ -2906,7 +2912,7 @@
           <a:p>
             <a:fld id="{EC2A5D8F-8F2E-4902-9138-7426797CD437}" type="datetimeFigureOut">
               <a:rPr lang="ko-KR" altLang="en-US" smtClean="0"/>
-              <a:t>2024-03-26</a:t>
+              <a:t>2024-03-27</a:t>
             </a:fld>
             <a:endParaRPr lang="ko-KR" altLang="en-US"/>
           </a:p>
@@ -3525,7 +3531,7 @@
         <p:spPr>
           <a:xfrm>
             <a:off x="7086001" y="4719484"/>
-            <a:ext cx="4641399" cy="646331"/>
+            <a:ext cx="4641399" cy="923330"/>
           </a:xfrm>
           <a:prstGeom prst="rect">
             <a:avLst/>
@@ -3608,6 +3614,48 @@
                 </a:solidFill>
               </a:rPr>
               <a:t>바꿔야되나</a:t>
+            </a:r>
+            <a:r>
+              <a:rPr lang="en-US" altLang="ko-KR" dirty="0">
+                <a:solidFill>
+                  <a:srgbClr val="FF0000"/>
+                </a:solidFill>
+              </a:rPr>
+              <a:t>?</a:t>
+            </a:r>
+          </a:p>
+          <a:p>
+            <a:r>
+              <a:rPr lang="en-US" altLang="ko-KR" dirty="0">
+                <a:solidFill>
+                  <a:srgbClr val="FF0000"/>
+                </a:solidFill>
+              </a:rPr>
+              <a:t>*</a:t>
+            </a:r>
+            <a:r>
+              <a:rPr lang="ko-KR" altLang="en-US" dirty="0">
+                <a:solidFill>
+                  <a:srgbClr val="FF0000"/>
+                </a:solidFill>
+              </a:rPr>
+              <a:t>플레이시간 </a:t>
+            </a:r>
+            <a:r>
+              <a:rPr lang="en-US" altLang="ko-KR" dirty="0">
+                <a:solidFill>
+                  <a:srgbClr val="FF0000"/>
+                </a:solidFill>
+              </a:rPr>
+              <a:t>vs </a:t>
+            </a:r>
+            <a:r>
+              <a:rPr lang="ko-KR" altLang="en-US" dirty="0">
+                <a:solidFill>
+                  <a:srgbClr val="FF0000"/>
+                </a:solidFill>
+              </a:rPr>
+              <a:t>주행시간</a:t>
             </a:r>
             <a:r>
               <a:rPr lang="en-US" altLang="ko-KR" dirty="0">
@@ -4417,6 +4465,194 @@
     <p:extLst>
       <p:ext uri="{BB962C8B-B14F-4D97-AF65-F5344CB8AC3E}">
         <p14:creationId xmlns:p14="http://schemas.microsoft.com/office/powerpoint/2010/main" val="287187503"/>
+      </p:ext>
+    </p:extLst>
+  </p:cSld>
+  <p:clrMapOvr>
+    <a:masterClrMapping/>
+  </p:clrMapOvr>
+</p:sld>
+</file>
+
+<file path=ppt/slides/slide4.xml><?xml version="1.0" encoding="utf-8"?>
+<p:sld xmlns:a="http://schemas.openxmlformats.org/drawingml/2006/main" xmlns:r="http://schemas.openxmlformats.org/officeDocument/2006/relationships" xmlns:p="http://schemas.openxmlformats.org/presentationml/2006/main">
+  <p:cSld>
+    <p:spTree>
+      <p:nvGrpSpPr>
+        <p:cNvPr id="1" name=""/>
+        <p:cNvGrpSpPr/>
+        <p:nvPr/>
+      </p:nvGrpSpPr>
+      <p:grpSpPr>
+        <a:xfrm>
+          <a:off x="0" y="0"/>
+          <a:ext cx="0" cy="0"/>
+          <a:chOff x="0" y="0"/>
+          <a:chExt cx="0" cy="0"/>
+        </a:xfrm>
+      </p:grpSpPr>
+      <p:sp>
+        <p:nvSpPr>
+          <p:cNvPr id="4" name="TextBox 3">
+            <a:extLst>
+              <a:ext uri="{FF2B5EF4-FFF2-40B4-BE49-F238E27FC236}">
+                <a16:creationId xmlns:a16="http://schemas.microsoft.com/office/drawing/2014/main" id="{3E1B8C9E-B79B-1028-68CA-7902BA42A8B1}"/>
+              </a:ext>
+            </a:extLst>
+          </p:cNvPr>
+          <p:cNvSpPr txBox="1"/>
+          <p:nvPr/>
+        </p:nvSpPr>
+        <p:spPr>
+          <a:xfrm>
+            <a:off x="6204157" y="518652"/>
+            <a:ext cx="2064774" cy="369332"/>
+          </a:xfrm>
+          <a:prstGeom prst="rect">
+            <a:avLst/>
+          </a:prstGeom>
+          <a:noFill/>
+        </p:spPr>
+        <p:txBody>
+          <a:bodyPr wrap="square" rtlCol="0">
+            <a:spAutoFit/>
+          </a:bodyPr>
+          <a:lstStyle/>
+          <a:p>
+            <a:r>
+              <a:rPr lang="en-US" altLang="ko-KR" dirty="0">
+                <a:highlight>
+                  <a:srgbClr val="FFFF00"/>
+                </a:highlight>
+              </a:rPr>
+              <a:t>&lt;- </a:t>
+            </a:r>
+            <a:r>
+              <a:rPr lang="ko-KR" altLang="en-US" dirty="0">
+                <a:highlight>
+                  <a:srgbClr val="FFFF00"/>
+                </a:highlight>
+              </a:rPr>
+              <a:t>주행거리 출력</a:t>
+            </a:r>
+          </a:p>
+        </p:txBody>
+      </p:sp>
+      <p:pic>
+        <p:nvPicPr>
+          <p:cNvPr id="6" name="그림 5">
+            <a:extLst>
+              <a:ext uri="{FF2B5EF4-FFF2-40B4-BE49-F238E27FC236}">
+                <a16:creationId xmlns:a16="http://schemas.microsoft.com/office/drawing/2014/main" id="{CD8D5308-AFB9-3DCD-2A80-318EC0C6F45E}"/>
+              </a:ext>
+            </a:extLst>
+          </p:cNvPr>
+          <p:cNvPicPr>
+            <a:picLocks noChangeAspect="1"/>
+          </p:cNvPicPr>
+          <p:nvPr/>
+        </p:nvPicPr>
+        <p:blipFill rotWithShape="1">
+          <a:blip r:embed="rId2"/>
+          <a:srcRect l="10792" r="13776" b="11213"/>
+          <a:stretch/>
+        </p:blipFill>
+        <p:spPr>
+          <a:xfrm>
+            <a:off x="319546" y="212499"/>
+            <a:ext cx="5668299" cy="3752982"/>
+          </a:xfrm>
+          <a:prstGeom prst="rect">
+            <a:avLst/>
+          </a:prstGeom>
+        </p:spPr>
+      </p:pic>
+      <p:pic>
+        <p:nvPicPr>
+          <p:cNvPr id="8" name="그림 7">
+            <a:extLst>
+              <a:ext uri="{FF2B5EF4-FFF2-40B4-BE49-F238E27FC236}">
+                <a16:creationId xmlns:a16="http://schemas.microsoft.com/office/drawing/2014/main" id="{7E0F33DD-8F07-3ED2-235D-806736B9AA66}"/>
+              </a:ext>
+            </a:extLst>
+          </p:cNvPr>
+          <p:cNvPicPr>
+            <a:picLocks noChangeAspect="1"/>
+          </p:cNvPicPr>
+          <p:nvPr/>
+        </p:nvPicPr>
+        <p:blipFill>
+          <a:blip r:embed="rId3"/>
+          <a:stretch>
+            <a:fillRect/>
+          </a:stretch>
+        </p:blipFill>
+        <p:spPr>
+          <a:xfrm>
+            <a:off x="5845306" y="3081543"/>
+            <a:ext cx="6179546" cy="3668302"/>
+          </a:xfrm>
+          <a:prstGeom prst="rect">
+            <a:avLst/>
+          </a:prstGeom>
+        </p:spPr>
+      </p:pic>
+      <p:sp>
+        <p:nvSpPr>
+          <p:cNvPr id="9" name="TextBox 8">
+            <a:extLst>
+              <a:ext uri="{FF2B5EF4-FFF2-40B4-BE49-F238E27FC236}">
+                <a16:creationId xmlns:a16="http://schemas.microsoft.com/office/drawing/2014/main" id="{79F5B6D4-2528-4264-A56E-C5A58C8EE41E}"/>
+              </a:ext>
+            </a:extLst>
+          </p:cNvPr>
+          <p:cNvSpPr txBox="1"/>
+          <p:nvPr/>
+        </p:nvSpPr>
+        <p:spPr>
+          <a:xfrm>
+            <a:off x="3244645" y="4348316"/>
+            <a:ext cx="2374493" cy="369332"/>
+          </a:xfrm>
+          <a:prstGeom prst="rect">
+            <a:avLst/>
+          </a:prstGeom>
+          <a:noFill/>
+        </p:spPr>
+        <p:txBody>
+          <a:bodyPr wrap="square" rtlCol="0">
+            <a:spAutoFit/>
+          </a:bodyPr>
+          <a:lstStyle/>
+          <a:p>
+            <a:r>
+              <a:rPr lang="ko-KR" altLang="en-US" dirty="0">
+                <a:highlight>
+                  <a:srgbClr val="FFFF00"/>
+                </a:highlight>
+              </a:rPr>
+              <a:t>플레이시간 출력</a:t>
+            </a:r>
+            <a:r>
+              <a:rPr lang="en-US" altLang="ko-KR" dirty="0">
+                <a:highlight>
+                  <a:srgbClr val="FFFF00"/>
+                </a:highlight>
+              </a:rPr>
+              <a:t>.. -&gt;</a:t>
+            </a:r>
+            <a:endParaRPr lang="ko-KR" altLang="en-US" dirty="0">
+              <a:highlight>
+                <a:srgbClr val="FFFF00"/>
+              </a:highlight>
+            </a:endParaRPr>
+          </a:p>
+        </p:txBody>
+      </p:sp>
+    </p:spTree>
+    <p:extLst>
+      <p:ext uri="{BB962C8B-B14F-4D97-AF65-F5344CB8AC3E}">
+        <p14:creationId xmlns:p14="http://schemas.microsoft.com/office/powerpoint/2010/main" val="2600408251"/>
       </p:ext>
     </p:extLst>
   </p:cSld>
